--- a/slides/react/react.pptx
+++ b/slides/react/react.pptx
@@ -10,6 +10,10 @@
     <p:sldId id="258" r:id="rId4"/>
     <p:sldId id="259" r:id="rId5"/>
     <p:sldId id="260" r:id="rId6"/>
+    <p:sldId id="263" r:id="rId7"/>
+    <p:sldId id="265" r:id="rId8"/>
+    <p:sldId id="264" r:id="rId9"/>
+    <p:sldId id="266" r:id="rId10"/>
   </p:sldIdLst>
   <p:sldSz cx="9144000" cy="6858000" type="screen4x3"/>
   <p:notesSz cx="6858000" cy="9144000"/>
@@ -108,6 +112,22 @@
       </a:defRPr>
     </a:lvl9pPr>
   </p:defaultTextStyle>
+  <p:extLst>
+    <p:ext uri="{EFAFB233-063F-42B5-8137-9DF3F51BA10A}">
+      <p15:sldGuideLst xmlns:p15="http://schemas.microsoft.com/office/powerpoint/2012/main">
+        <p15:guide id="1" orient="horz" pos="2160">
+          <p15:clr>
+            <a:srgbClr val="A4A3A4"/>
+          </p15:clr>
+        </p15:guide>
+        <p15:guide id="2" pos="2880">
+          <p15:clr>
+            <a:srgbClr val="A4A3A4"/>
+          </p15:clr>
+        </p15:guide>
+      </p15:sldGuideLst>
+    </p:ext>
+  </p:extLst>
 </p:presentation>
 </file>
 
@@ -292,7 +312,7 @@
           <a:p>
             <a:fld id="{51143893-94B2-784A-9A9F-E9C1117E169F}" type="datetimeFigureOut">
               <a:rPr lang="en-US" smtClean="0"/>
-              <a:t>5/9/16</a:t>
+              <a:t>5/18/16</a:t>
             </a:fld>
             <a:endParaRPr lang="en-US"/>
           </a:p>
@@ -462,7 +482,7 @@
           <a:p>
             <a:fld id="{51143893-94B2-784A-9A9F-E9C1117E169F}" type="datetimeFigureOut">
               <a:rPr lang="en-US" smtClean="0"/>
-              <a:t>5/9/16</a:t>
+              <a:t>5/18/16</a:t>
             </a:fld>
             <a:endParaRPr lang="en-US"/>
           </a:p>
@@ -642,7 +662,7 @@
           <a:p>
             <a:fld id="{51143893-94B2-784A-9A9F-E9C1117E169F}" type="datetimeFigureOut">
               <a:rPr lang="en-US" smtClean="0"/>
-              <a:t>5/9/16</a:t>
+              <a:t>5/18/16</a:t>
             </a:fld>
             <a:endParaRPr lang="en-US"/>
           </a:p>
@@ -812,7 +832,7 @@
           <a:p>
             <a:fld id="{51143893-94B2-784A-9A9F-E9C1117E169F}" type="datetimeFigureOut">
               <a:rPr lang="en-US" smtClean="0"/>
-              <a:t>5/9/16</a:t>
+              <a:t>5/18/16</a:t>
             </a:fld>
             <a:endParaRPr lang="en-US"/>
           </a:p>
@@ -1058,7 +1078,7 @@
           <a:p>
             <a:fld id="{51143893-94B2-784A-9A9F-E9C1117E169F}" type="datetimeFigureOut">
               <a:rPr lang="en-US" smtClean="0"/>
-              <a:t>5/9/16</a:t>
+              <a:t>5/18/16</a:t>
             </a:fld>
             <a:endParaRPr lang="en-US"/>
           </a:p>
@@ -1346,7 +1366,7 @@
           <a:p>
             <a:fld id="{51143893-94B2-784A-9A9F-E9C1117E169F}" type="datetimeFigureOut">
               <a:rPr lang="en-US" smtClean="0"/>
-              <a:t>5/9/16</a:t>
+              <a:t>5/18/16</a:t>
             </a:fld>
             <a:endParaRPr lang="en-US"/>
           </a:p>
@@ -1768,7 +1788,7 @@
           <a:p>
             <a:fld id="{51143893-94B2-784A-9A9F-E9C1117E169F}" type="datetimeFigureOut">
               <a:rPr lang="en-US" smtClean="0"/>
-              <a:t>5/9/16</a:t>
+              <a:t>5/18/16</a:t>
             </a:fld>
             <a:endParaRPr lang="en-US"/>
           </a:p>
@@ -1886,7 +1906,7 @@
           <a:p>
             <a:fld id="{51143893-94B2-784A-9A9F-E9C1117E169F}" type="datetimeFigureOut">
               <a:rPr lang="en-US" smtClean="0"/>
-              <a:t>5/9/16</a:t>
+              <a:t>5/18/16</a:t>
             </a:fld>
             <a:endParaRPr lang="en-US"/>
           </a:p>
@@ -1981,7 +2001,7 @@
           <a:p>
             <a:fld id="{51143893-94B2-784A-9A9F-E9C1117E169F}" type="datetimeFigureOut">
               <a:rPr lang="en-US" smtClean="0"/>
-              <a:t>5/9/16</a:t>
+              <a:t>5/18/16</a:t>
             </a:fld>
             <a:endParaRPr lang="en-US"/>
           </a:p>
@@ -2258,7 +2278,7 @@
           <a:p>
             <a:fld id="{51143893-94B2-784A-9A9F-E9C1117E169F}" type="datetimeFigureOut">
               <a:rPr lang="en-US" smtClean="0"/>
-              <a:t>5/9/16</a:t>
+              <a:t>5/18/16</a:t>
             </a:fld>
             <a:endParaRPr lang="en-US"/>
           </a:p>
@@ -2511,7 +2531,7 @@
           <a:p>
             <a:fld id="{51143893-94B2-784A-9A9F-E9C1117E169F}" type="datetimeFigureOut">
               <a:rPr lang="en-US" smtClean="0"/>
-              <a:t>5/9/16</a:t>
+              <a:t>5/18/16</a:t>
             </a:fld>
             <a:endParaRPr lang="en-US"/>
           </a:p>
@@ -2727,7 +2747,7 @@
           <a:p>
             <a:fld id="{51143893-94B2-784A-9A9F-E9C1117E169F}" type="datetimeFigureOut">
               <a:rPr lang="en-US" smtClean="0"/>
-              <a:t>5/9/16</a:t>
+              <a:t>5/18/16</a:t>
             </a:fld>
             <a:endParaRPr lang="en-US"/>
           </a:p>
@@ -3260,7 +3280,7 @@
   <p:timing>
     <p:tnLst>
       <p:par>
-        <p:cTn xmlns:p14="http://schemas.microsoft.com/office/powerpoint/2010/main" id="1" dur="indefinite" restart="never" nodeType="tmRoot"/>
+        <p:cTn id="1" dur="indefinite" restart="never" nodeType="tmRoot"/>
       </p:par>
     </p:tnLst>
   </p:timing>
@@ -3607,7 +3627,7 @@
   <p:timing>
     <p:tnLst>
       <p:par>
-        <p:cTn xmlns:p14="http://schemas.microsoft.com/office/powerpoint/2010/main" id="1" dur="indefinite" restart="never" nodeType="tmRoot"/>
+        <p:cTn id="1" dur="indefinite" restart="never" nodeType="tmRoot"/>
       </p:par>
     </p:tnLst>
   </p:timing>
@@ -3892,7 +3912,7 @@
   <p:timing>
     <p:tnLst>
       <p:par>
-        <p:cTn xmlns:p14="http://schemas.microsoft.com/office/powerpoint/2010/main" id="1" dur="indefinite" restart="never" nodeType="tmRoot"/>
+        <p:cTn id="1" dur="indefinite" restart="never" nodeType="tmRoot"/>
       </p:par>
     </p:tnLst>
   </p:timing>
@@ -4310,7 +4330,7 @@
   <p:timing>
     <p:tnLst>
       <p:par>
-        <p:cTn xmlns:p14="http://schemas.microsoft.com/office/powerpoint/2010/main" id="1" dur="indefinite" restart="never" nodeType="tmRoot"/>
+        <p:cTn id="1" dur="indefinite" restart="never" nodeType="tmRoot"/>
       </p:par>
     </p:tnLst>
   </p:timing>
@@ -4593,7 +4613,851 @@
   <p:timing>
     <p:tnLst>
       <p:par>
-        <p:cTn xmlns:p14="http://schemas.microsoft.com/office/powerpoint/2010/main" id="1" dur="indefinite" restart="never" nodeType="tmRoot"/>
+        <p:cTn id="1" dur="indefinite" restart="never" nodeType="tmRoot"/>
+      </p:par>
+    </p:tnLst>
+  </p:timing>
+</p:sld>
+</file>
+
+<file path=ppt/slides/slide6.xml><?xml version="1.0" encoding="utf-8"?>
+<p:sld xmlns:a="http://schemas.openxmlformats.org/drawingml/2006/main" xmlns:r="http://schemas.openxmlformats.org/officeDocument/2006/relationships" xmlns:p="http://schemas.openxmlformats.org/presentationml/2006/main">
+  <p:cSld>
+    <p:spTree>
+      <p:nvGrpSpPr>
+        <p:cNvPr id="1" name=""/>
+        <p:cNvGrpSpPr/>
+        <p:nvPr/>
+      </p:nvGrpSpPr>
+      <p:grpSpPr>
+        <a:xfrm>
+          <a:off x="0" y="0"/>
+          <a:ext cx="0" cy="0"/>
+          <a:chOff x="0" y="0"/>
+          <a:chExt cx="0" cy="0"/>
+        </a:xfrm>
+      </p:grpSpPr>
+      <p:grpSp>
+        <p:nvGrpSpPr>
+          <p:cNvPr id="15" name="Group 14"/>
+          <p:cNvGrpSpPr/>
+          <p:nvPr/>
+        </p:nvGrpSpPr>
+        <p:grpSpPr>
+          <a:xfrm>
+            <a:off x="0" y="0"/>
+            <a:ext cx="9143460" cy="720000"/>
+            <a:chOff x="36540" y="0"/>
+            <a:chExt cx="9143460" cy="720000"/>
+          </a:xfrm>
+        </p:grpSpPr>
+        <p:sp>
+          <p:nvSpPr>
+            <p:cNvPr id="11" name="TextBox 10"/>
+            <p:cNvSpPr txBox="1">
+              <a:spLocks/>
+            </p:cNvSpPr>
+            <p:nvPr/>
+          </p:nvSpPr>
+          <p:spPr>
+            <a:xfrm>
+              <a:off x="720000" y="0"/>
+              <a:ext cx="8460000" cy="720000"/>
+            </a:xfrm>
+            <a:prstGeom prst="rect">
+              <a:avLst/>
+            </a:prstGeom>
+            <a:solidFill>
+              <a:srgbClr val="222222"/>
+            </a:solidFill>
+          </p:spPr>
+          <p:txBody>
+            <a:bodyPr wrap="square" rtlCol="0" anchor="ctr">
+              <a:spAutoFit/>
+            </a:bodyPr>
+            <a:lstStyle/>
+            <a:p>
+              <a:r>
+                <a:rPr lang="en-US" sz="2000" dirty="0" smtClean="0">
+                  <a:solidFill>
+                    <a:srgbClr val="1ACFFF"/>
+                  </a:solidFill>
+                  <a:latin typeface="Helvetica Neue"/>
+                  <a:cs typeface="Helvetica Neue"/>
+                </a:rPr>
+                <a:t>React - </a:t>
+              </a:r>
+              <a:r>
+                <a:rPr lang="en-US" sz="2000" dirty="0" smtClean="0">
+                  <a:solidFill>
+                    <a:srgbClr val="1ACFFF"/>
+                  </a:solidFill>
+                  <a:latin typeface="Helvetica Neue"/>
+                  <a:cs typeface="Helvetica Neue"/>
+                </a:rPr>
+                <a:t>Lifecycle</a:t>
+              </a:r>
+              <a:endParaRPr lang="en-US" sz="2000" dirty="0">
+                <a:solidFill>
+                  <a:srgbClr val="1ACFFF"/>
+                </a:solidFill>
+                <a:latin typeface="Helvetica Neue"/>
+                <a:cs typeface="Helvetica Neue"/>
+              </a:endParaRPr>
+            </a:p>
+          </p:txBody>
+        </p:sp>
+        <p:pic>
+          <p:nvPicPr>
+            <p:cNvPr id="12" name="Picture 11" descr="react-logo-1000-transparent.png"/>
+            <p:cNvPicPr preferRelativeResize="0">
+              <a:picLocks/>
+            </p:cNvPicPr>
+            <p:nvPr/>
+          </p:nvPicPr>
+          <p:blipFill>
+            <a:blip r:embed="rId2">
+              <a:extLst>
+                <a:ext uri="{28A0092B-C50C-407E-A947-70E740481C1C}">
+                  <a14:useLocalDpi xmlns:a14="http://schemas.microsoft.com/office/drawing/2010/main" val="0"/>
+                </a:ext>
+              </a:extLst>
+            </a:blip>
+            <a:stretch>
+              <a:fillRect/>
+            </a:stretch>
+          </p:blipFill>
+          <p:spPr>
+            <a:xfrm>
+              <a:off x="36540" y="0"/>
+              <a:ext cx="720000" cy="720000"/>
+            </a:xfrm>
+            <a:prstGeom prst="rect">
+              <a:avLst/>
+            </a:prstGeom>
+            <a:solidFill>
+              <a:srgbClr val="222222"/>
+            </a:solidFill>
+          </p:spPr>
+        </p:pic>
+      </p:grpSp>
+      <p:sp>
+        <p:nvSpPr>
+          <p:cNvPr id="3" name="TextBox 2"/>
+          <p:cNvSpPr txBox="1">
+            <a:spLocks noChangeAspect="1"/>
+          </p:cNvSpPr>
+          <p:nvPr/>
+        </p:nvSpPr>
+        <p:spPr>
+          <a:xfrm>
+            <a:off x="413460" y="909000"/>
+            <a:ext cx="8280000" cy="5040000"/>
+          </a:xfrm>
+          <a:prstGeom prst="rect">
+            <a:avLst/>
+          </a:prstGeom>
+          <a:noFill/>
+        </p:spPr>
+        <p:txBody>
+          <a:bodyPr wrap="square" rtlCol="0">
+            <a:normAutofit/>
+          </a:bodyPr>
+          <a:lstStyle/>
+          <a:p>
+            <a:pPr marL="285750" indent="-285750">
+              <a:buFont typeface="Arial"/>
+              <a:buChar char="•"/>
+            </a:pPr>
+            <a:endParaRPr lang="en-US" dirty="0" smtClean="0">
+              <a:solidFill>
+                <a:srgbClr val="1ACFFF"/>
+              </a:solidFill>
+            </a:endParaRPr>
+          </a:p>
+        </p:txBody>
+      </p:sp>
+      <p:pic>
+        <p:nvPicPr>
+          <p:cNvPr id="4" name="Picture 3"/>
+          <p:cNvPicPr>
+            <a:picLocks noChangeAspect="1"/>
+          </p:cNvPicPr>
+          <p:nvPr/>
+        </p:nvPicPr>
+        <p:blipFill>
+          <a:blip r:embed="rId3">
+            <a:extLst>
+              <a:ext uri="{28A0092B-C50C-407E-A947-70E740481C1C}">
+                <a14:useLocalDpi xmlns:a14="http://schemas.microsoft.com/office/drawing/2010/main" val="0"/>
+              </a:ext>
+            </a:extLst>
+          </a:blip>
+          <a:stretch>
+            <a:fillRect/>
+          </a:stretch>
+        </p:blipFill>
+        <p:spPr>
+          <a:xfrm>
+            <a:off x="2346546" y="720000"/>
+            <a:ext cx="4450909" cy="6120000"/>
+          </a:xfrm>
+          <a:prstGeom prst="rect">
+            <a:avLst/>
+          </a:prstGeom>
+        </p:spPr>
+      </p:pic>
+    </p:spTree>
+    <p:extLst>
+      <p:ext uri="{BB962C8B-B14F-4D97-AF65-F5344CB8AC3E}">
+        <p14:creationId xmlns:p14="http://schemas.microsoft.com/office/powerpoint/2010/main" val="570566083"/>
+      </p:ext>
+    </p:extLst>
+  </p:cSld>
+  <p:clrMapOvr>
+    <a:masterClrMapping/>
+  </p:clrMapOvr>
+  <p:timing>
+    <p:tnLst>
+      <p:par>
+        <p:cTn id="1" dur="indefinite" restart="never" nodeType="tmRoot"/>
+      </p:par>
+    </p:tnLst>
+  </p:timing>
+</p:sld>
+</file>
+
+<file path=ppt/slides/slide7.xml><?xml version="1.0" encoding="utf-8"?>
+<p:sld xmlns:a="http://schemas.openxmlformats.org/drawingml/2006/main" xmlns:r="http://schemas.openxmlformats.org/officeDocument/2006/relationships" xmlns:p="http://schemas.openxmlformats.org/presentationml/2006/main">
+  <p:cSld>
+    <p:spTree>
+      <p:nvGrpSpPr>
+        <p:cNvPr id="1" name=""/>
+        <p:cNvGrpSpPr/>
+        <p:nvPr/>
+      </p:nvGrpSpPr>
+      <p:grpSpPr>
+        <a:xfrm>
+          <a:off x="0" y="0"/>
+          <a:ext cx="0" cy="0"/>
+          <a:chOff x="0" y="0"/>
+          <a:chExt cx="0" cy="0"/>
+        </a:xfrm>
+      </p:grpSpPr>
+      <p:grpSp>
+        <p:nvGrpSpPr>
+          <p:cNvPr id="15" name="Group 14"/>
+          <p:cNvGrpSpPr/>
+          <p:nvPr/>
+        </p:nvGrpSpPr>
+        <p:grpSpPr>
+          <a:xfrm>
+            <a:off x="0" y="0"/>
+            <a:ext cx="9143460" cy="720000"/>
+            <a:chOff x="36540" y="0"/>
+            <a:chExt cx="9143460" cy="720000"/>
+          </a:xfrm>
+        </p:grpSpPr>
+        <p:sp>
+          <p:nvSpPr>
+            <p:cNvPr id="11" name="TextBox 10"/>
+            <p:cNvSpPr txBox="1">
+              <a:spLocks/>
+            </p:cNvSpPr>
+            <p:nvPr/>
+          </p:nvSpPr>
+          <p:spPr>
+            <a:xfrm>
+              <a:off x="720000" y="0"/>
+              <a:ext cx="8460000" cy="720000"/>
+            </a:xfrm>
+            <a:prstGeom prst="rect">
+              <a:avLst/>
+            </a:prstGeom>
+            <a:solidFill>
+              <a:srgbClr val="222222"/>
+            </a:solidFill>
+          </p:spPr>
+          <p:txBody>
+            <a:bodyPr wrap="square" rtlCol="0" anchor="ctr">
+              <a:spAutoFit/>
+            </a:bodyPr>
+            <a:lstStyle/>
+            <a:p>
+              <a:r>
+                <a:rPr lang="en-US" sz="2000" dirty="0" smtClean="0">
+                  <a:solidFill>
+                    <a:srgbClr val="1ACFFF"/>
+                  </a:solidFill>
+                  <a:latin typeface="Helvetica Neue"/>
+                  <a:cs typeface="Helvetica Neue"/>
+                </a:rPr>
+                <a:t>React - </a:t>
+              </a:r>
+              <a:r>
+                <a:rPr lang="en-US" sz="2000" dirty="0" smtClean="0">
+                  <a:solidFill>
+                    <a:srgbClr val="1ACFFF"/>
+                  </a:solidFill>
+                  <a:latin typeface="Helvetica Neue"/>
+                  <a:cs typeface="Helvetica Neue"/>
+                </a:rPr>
+                <a:t>Lifecycle</a:t>
+              </a:r>
+              <a:endParaRPr lang="en-US" sz="2000" dirty="0">
+                <a:solidFill>
+                  <a:srgbClr val="1ACFFF"/>
+                </a:solidFill>
+                <a:latin typeface="Helvetica Neue"/>
+                <a:cs typeface="Helvetica Neue"/>
+              </a:endParaRPr>
+            </a:p>
+          </p:txBody>
+        </p:sp>
+        <p:pic>
+          <p:nvPicPr>
+            <p:cNvPr id="12" name="Picture 11" descr="react-logo-1000-transparent.png"/>
+            <p:cNvPicPr preferRelativeResize="0">
+              <a:picLocks/>
+            </p:cNvPicPr>
+            <p:nvPr/>
+          </p:nvPicPr>
+          <p:blipFill>
+            <a:blip r:embed="rId2">
+              <a:extLst>
+                <a:ext uri="{28A0092B-C50C-407E-A947-70E740481C1C}">
+                  <a14:useLocalDpi xmlns:a14="http://schemas.microsoft.com/office/drawing/2010/main" val="0"/>
+                </a:ext>
+              </a:extLst>
+            </a:blip>
+            <a:stretch>
+              <a:fillRect/>
+            </a:stretch>
+          </p:blipFill>
+          <p:spPr>
+            <a:xfrm>
+              <a:off x="36540" y="0"/>
+              <a:ext cx="720000" cy="720000"/>
+            </a:xfrm>
+            <a:prstGeom prst="rect">
+              <a:avLst/>
+            </a:prstGeom>
+            <a:solidFill>
+              <a:srgbClr val="222222"/>
+            </a:solidFill>
+          </p:spPr>
+        </p:pic>
+      </p:grpSp>
+      <p:sp>
+        <p:nvSpPr>
+          <p:cNvPr id="3" name="TextBox 2"/>
+          <p:cNvSpPr txBox="1">
+            <a:spLocks noChangeAspect="1"/>
+          </p:cNvSpPr>
+          <p:nvPr/>
+        </p:nvSpPr>
+        <p:spPr>
+          <a:xfrm>
+            <a:off x="413460" y="909000"/>
+            <a:ext cx="8280000" cy="5040000"/>
+          </a:xfrm>
+          <a:prstGeom prst="rect">
+            <a:avLst/>
+          </a:prstGeom>
+          <a:noFill/>
+        </p:spPr>
+        <p:txBody>
+          <a:bodyPr wrap="square" rtlCol="0">
+            <a:normAutofit/>
+          </a:bodyPr>
+          <a:lstStyle/>
+          <a:p>
+            <a:pPr marL="285750" indent="-285750">
+              <a:buFont typeface="Arial"/>
+              <a:buChar char="•"/>
+            </a:pPr>
+            <a:endParaRPr lang="en-US" dirty="0" smtClean="0">
+              <a:solidFill>
+                <a:srgbClr val="1ACFFF"/>
+              </a:solidFill>
+            </a:endParaRPr>
+          </a:p>
+        </p:txBody>
+      </p:sp>
+      <p:pic>
+        <p:nvPicPr>
+          <p:cNvPr id="2" name="Picture 1"/>
+          <p:cNvPicPr>
+            <a:picLocks noChangeAspect="1"/>
+          </p:cNvPicPr>
+          <p:nvPr/>
+        </p:nvPicPr>
+        <p:blipFill>
+          <a:blip r:embed="rId3">
+            <a:extLst>
+              <a:ext uri="{28A0092B-C50C-407E-A947-70E740481C1C}">
+                <a14:useLocalDpi xmlns:a14="http://schemas.microsoft.com/office/drawing/2010/main" val="0"/>
+              </a:ext>
+            </a:extLst>
+          </a:blip>
+          <a:stretch>
+            <a:fillRect/>
+          </a:stretch>
+        </p:blipFill>
+        <p:spPr>
+          <a:xfrm>
+            <a:off x="0" y="1339200"/>
+            <a:ext cx="9144000" cy="4894090"/>
+          </a:xfrm>
+          <a:prstGeom prst="rect">
+            <a:avLst/>
+          </a:prstGeom>
+        </p:spPr>
+      </p:pic>
+    </p:spTree>
+    <p:extLst>
+      <p:ext uri="{BB962C8B-B14F-4D97-AF65-F5344CB8AC3E}">
+        <p14:creationId xmlns:p14="http://schemas.microsoft.com/office/powerpoint/2010/main" val="30358285"/>
+      </p:ext>
+    </p:extLst>
+  </p:cSld>
+  <p:clrMapOvr>
+    <a:masterClrMapping/>
+  </p:clrMapOvr>
+  <p:timing>
+    <p:tnLst>
+      <p:par>
+        <p:cTn id="1" dur="indefinite" restart="never" nodeType="tmRoot"/>
+      </p:par>
+    </p:tnLst>
+  </p:timing>
+</p:sld>
+</file>
+
+<file path=ppt/slides/slide8.xml><?xml version="1.0" encoding="utf-8"?>
+<p:sld xmlns:a="http://schemas.openxmlformats.org/drawingml/2006/main" xmlns:r="http://schemas.openxmlformats.org/officeDocument/2006/relationships" xmlns:p="http://schemas.openxmlformats.org/presentationml/2006/main">
+  <p:cSld>
+    <p:spTree>
+      <p:nvGrpSpPr>
+        <p:cNvPr id="1" name=""/>
+        <p:cNvGrpSpPr/>
+        <p:nvPr/>
+      </p:nvGrpSpPr>
+      <p:grpSpPr>
+        <a:xfrm>
+          <a:off x="0" y="0"/>
+          <a:ext cx="0" cy="0"/>
+          <a:chOff x="0" y="0"/>
+          <a:chExt cx="0" cy="0"/>
+        </a:xfrm>
+      </p:grpSpPr>
+      <p:grpSp>
+        <p:nvGrpSpPr>
+          <p:cNvPr id="15" name="Group 14"/>
+          <p:cNvGrpSpPr/>
+          <p:nvPr/>
+        </p:nvGrpSpPr>
+        <p:grpSpPr>
+          <a:xfrm>
+            <a:off x="0" y="0"/>
+            <a:ext cx="9129600" cy="720000"/>
+            <a:chOff x="0" y="0"/>
+            <a:chExt cx="9129600" cy="720000"/>
+          </a:xfrm>
+        </p:grpSpPr>
+        <p:sp>
+          <p:nvSpPr>
+            <p:cNvPr id="11" name="TextBox 10"/>
+            <p:cNvSpPr txBox="1">
+              <a:spLocks/>
+            </p:cNvSpPr>
+            <p:nvPr/>
+          </p:nvSpPr>
+          <p:spPr>
+            <a:xfrm>
+              <a:off x="669600" y="0"/>
+              <a:ext cx="8460000" cy="720000"/>
+            </a:xfrm>
+            <a:prstGeom prst="rect">
+              <a:avLst/>
+            </a:prstGeom>
+            <a:solidFill>
+              <a:srgbClr val="222222"/>
+            </a:solidFill>
+          </p:spPr>
+          <p:txBody>
+            <a:bodyPr wrap="square" rtlCol="0" anchor="ctr">
+              <a:spAutoFit/>
+            </a:bodyPr>
+            <a:lstStyle/>
+            <a:p>
+              <a:r>
+                <a:rPr lang="en-US" sz="2000" smtClean="0">
+                  <a:solidFill>
+                    <a:srgbClr val="1ACFFF"/>
+                  </a:solidFill>
+                  <a:latin typeface="Helvetica Neue"/>
+                  <a:cs typeface="Helvetica Neue"/>
+                </a:rPr>
+                <a:t>React - </a:t>
+              </a:r>
+              <a:r>
+                <a:rPr lang="en-US" sz="2000" dirty="0" smtClean="0">
+                  <a:solidFill>
+                    <a:srgbClr val="1ACFFF"/>
+                  </a:solidFill>
+                  <a:latin typeface="Helvetica Neue"/>
+                  <a:cs typeface="Helvetica Neue"/>
+                </a:rPr>
+                <a:t>Thinking in React</a:t>
+              </a:r>
+              <a:endParaRPr lang="en-US" sz="2000" dirty="0">
+                <a:solidFill>
+                  <a:srgbClr val="1ACFFF"/>
+                </a:solidFill>
+                <a:latin typeface="Helvetica Neue"/>
+                <a:cs typeface="Helvetica Neue"/>
+              </a:endParaRPr>
+            </a:p>
+          </p:txBody>
+        </p:sp>
+        <p:pic>
+          <p:nvPicPr>
+            <p:cNvPr id="12" name="Picture 11" descr="react-logo-1000-transparent.png"/>
+            <p:cNvPicPr preferRelativeResize="0">
+              <a:picLocks/>
+            </p:cNvPicPr>
+            <p:nvPr/>
+          </p:nvPicPr>
+          <p:blipFill>
+            <a:blip r:embed="rId2">
+              <a:extLst>
+                <a:ext uri="{28A0092B-C50C-407E-A947-70E740481C1C}">
+                  <a14:useLocalDpi xmlns:a14="http://schemas.microsoft.com/office/drawing/2010/main" val="0"/>
+                </a:ext>
+              </a:extLst>
+            </a:blip>
+            <a:stretch>
+              <a:fillRect/>
+            </a:stretch>
+          </p:blipFill>
+          <p:spPr>
+            <a:xfrm>
+              <a:off x="0" y="0"/>
+              <a:ext cx="720000" cy="720000"/>
+            </a:xfrm>
+            <a:prstGeom prst="rect">
+              <a:avLst/>
+            </a:prstGeom>
+            <a:solidFill>
+              <a:srgbClr val="222222"/>
+            </a:solidFill>
+          </p:spPr>
+        </p:pic>
+      </p:grpSp>
+      <p:sp>
+        <p:nvSpPr>
+          <p:cNvPr id="3" name="TextBox 2"/>
+          <p:cNvSpPr txBox="1">
+            <a:spLocks noChangeAspect="1"/>
+          </p:cNvSpPr>
+          <p:nvPr/>
+        </p:nvSpPr>
+        <p:spPr>
+          <a:xfrm>
+            <a:off x="413460" y="909000"/>
+            <a:ext cx="8280000" cy="5040000"/>
+          </a:xfrm>
+          <a:prstGeom prst="rect">
+            <a:avLst/>
+          </a:prstGeom>
+          <a:noFill/>
+        </p:spPr>
+        <p:txBody>
+          <a:bodyPr wrap="square" rtlCol="0">
+            <a:normAutofit/>
+          </a:bodyPr>
+          <a:lstStyle/>
+          <a:p>
+            <a:pPr marL="285750" marR="0" lvl="0" indent="-285750" defTabSz="914400" eaLnBrk="1" fontAlgn="auto" latinLnBrk="0" hangingPunct="1">
+              <a:lnSpc>
+                <a:spcPct val="100000"/>
+              </a:lnSpc>
+              <a:spcBef>
+                <a:spcPts val="0"/>
+              </a:spcBef>
+              <a:spcAft>
+                <a:spcPts val="0"/>
+              </a:spcAft>
+              <a:buClrTx/>
+              <a:buSzTx/>
+              <a:buFont typeface="Arial"/>
+              <a:buNone/>
+              <a:tabLst/>
+              <a:defRPr/>
+            </a:pPr>
+            <a:endParaRPr lang="en-US" dirty="0" smtClean="0">
+              <a:solidFill>
+                <a:srgbClr val="1ACFFF"/>
+              </a:solidFill>
+            </a:endParaRPr>
+          </a:p>
+        </p:txBody>
+      </p:sp>
+      <p:pic>
+        <p:nvPicPr>
+          <p:cNvPr id="4" name="Picture 3"/>
+          <p:cNvPicPr>
+            <a:picLocks noChangeAspect="1"/>
+          </p:cNvPicPr>
+          <p:nvPr/>
+        </p:nvPicPr>
+        <p:blipFill>
+          <a:blip r:embed="rId3">
+            <a:extLst>
+              <a:ext uri="{28A0092B-C50C-407E-A947-70E740481C1C}">
+                <a14:useLocalDpi xmlns:a14="http://schemas.microsoft.com/office/drawing/2010/main" val="0"/>
+              </a:ext>
+            </a:extLst>
+          </a:blip>
+          <a:stretch>
+            <a:fillRect/>
+          </a:stretch>
+        </p:blipFill>
+        <p:spPr>
+          <a:xfrm>
+            <a:off x="2709939" y="1630800"/>
+            <a:ext cx="3724123" cy="4320000"/>
+          </a:xfrm>
+          <a:prstGeom prst="rect">
+            <a:avLst/>
+          </a:prstGeom>
+        </p:spPr>
+      </p:pic>
+    </p:spTree>
+    <p:extLst>
+      <p:ext uri="{BB962C8B-B14F-4D97-AF65-F5344CB8AC3E}">
+        <p14:creationId xmlns:p14="http://schemas.microsoft.com/office/powerpoint/2010/main" val="1374220085"/>
+      </p:ext>
+    </p:extLst>
+  </p:cSld>
+  <p:clrMapOvr>
+    <a:masterClrMapping/>
+  </p:clrMapOvr>
+  <p:timing>
+    <p:tnLst>
+      <p:par>
+        <p:cTn id="1" dur="indefinite" restart="never" nodeType="tmRoot"/>
+      </p:par>
+    </p:tnLst>
+  </p:timing>
+</p:sld>
+</file>
+
+<file path=ppt/slides/slide9.xml><?xml version="1.0" encoding="utf-8"?>
+<p:sld xmlns:a="http://schemas.openxmlformats.org/drawingml/2006/main" xmlns:r="http://schemas.openxmlformats.org/officeDocument/2006/relationships" xmlns:p="http://schemas.openxmlformats.org/presentationml/2006/main">
+  <p:cSld>
+    <p:spTree>
+      <p:nvGrpSpPr>
+        <p:cNvPr id="1" name=""/>
+        <p:cNvGrpSpPr/>
+        <p:nvPr/>
+      </p:nvGrpSpPr>
+      <p:grpSpPr>
+        <a:xfrm>
+          <a:off x="0" y="0"/>
+          <a:ext cx="0" cy="0"/>
+          <a:chOff x="0" y="0"/>
+          <a:chExt cx="0" cy="0"/>
+        </a:xfrm>
+      </p:grpSpPr>
+      <p:grpSp>
+        <p:nvGrpSpPr>
+          <p:cNvPr id="15" name="Group 14"/>
+          <p:cNvGrpSpPr/>
+          <p:nvPr/>
+        </p:nvGrpSpPr>
+        <p:grpSpPr>
+          <a:xfrm>
+            <a:off x="0" y="0"/>
+            <a:ext cx="9129600" cy="720000"/>
+            <a:chOff x="0" y="0"/>
+            <a:chExt cx="9129600" cy="720000"/>
+          </a:xfrm>
+        </p:grpSpPr>
+        <p:sp>
+          <p:nvSpPr>
+            <p:cNvPr id="11" name="TextBox 10"/>
+            <p:cNvSpPr txBox="1">
+              <a:spLocks/>
+            </p:cNvSpPr>
+            <p:nvPr/>
+          </p:nvSpPr>
+          <p:spPr>
+            <a:xfrm>
+              <a:off x="669600" y="0"/>
+              <a:ext cx="8460000" cy="720000"/>
+            </a:xfrm>
+            <a:prstGeom prst="rect">
+              <a:avLst/>
+            </a:prstGeom>
+            <a:solidFill>
+              <a:srgbClr val="222222"/>
+            </a:solidFill>
+          </p:spPr>
+          <p:txBody>
+            <a:bodyPr wrap="square" rtlCol="0" anchor="ctr">
+              <a:spAutoFit/>
+            </a:bodyPr>
+            <a:lstStyle/>
+            <a:p>
+              <a:r>
+                <a:rPr lang="en-US" sz="2000" dirty="0" smtClean="0">
+                  <a:solidFill>
+                    <a:srgbClr val="1ACFFF"/>
+                  </a:solidFill>
+                  <a:latin typeface="Helvetica Neue"/>
+                  <a:cs typeface="Helvetica Neue"/>
+                </a:rPr>
+                <a:t>React - Let’s Practice</a:t>
+              </a:r>
+              <a:endParaRPr lang="en-US" sz="2000" dirty="0">
+                <a:solidFill>
+                  <a:srgbClr val="1ACFFF"/>
+                </a:solidFill>
+                <a:latin typeface="Helvetica Neue"/>
+                <a:cs typeface="Helvetica Neue"/>
+              </a:endParaRPr>
+            </a:p>
+          </p:txBody>
+        </p:sp>
+        <p:pic>
+          <p:nvPicPr>
+            <p:cNvPr id="12" name="Picture 11" descr="react-logo-1000-transparent.png"/>
+            <p:cNvPicPr preferRelativeResize="0">
+              <a:picLocks/>
+            </p:cNvPicPr>
+            <p:nvPr/>
+          </p:nvPicPr>
+          <p:blipFill>
+            <a:blip r:embed="rId2">
+              <a:extLst>
+                <a:ext uri="{28A0092B-C50C-407E-A947-70E740481C1C}">
+                  <a14:useLocalDpi xmlns:a14="http://schemas.microsoft.com/office/drawing/2010/main" val="0"/>
+                </a:ext>
+              </a:extLst>
+            </a:blip>
+            <a:stretch>
+              <a:fillRect/>
+            </a:stretch>
+          </p:blipFill>
+          <p:spPr>
+            <a:xfrm>
+              <a:off x="0" y="0"/>
+              <a:ext cx="720000" cy="720000"/>
+            </a:xfrm>
+            <a:prstGeom prst="rect">
+              <a:avLst/>
+            </a:prstGeom>
+            <a:solidFill>
+              <a:srgbClr val="222222"/>
+            </a:solidFill>
+          </p:spPr>
+        </p:pic>
+      </p:grpSp>
+      <p:sp>
+        <p:nvSpPr>
+          <p:cNvPr id="3" name="TextBox 2"/>
+          <p:cNvSpPr txBox="1">
+            <a:spLocks noChangeAspect="1"/>
+          </p:cNvSpPr>
+          <p:nvPr/>
+        </p:nvSpPr>
+        <p:spPr>
+          <a:xfrm>
+            <a:off x="413460" y="909000"/>
+            <a:ext cx="8280000" cy="5040000"/>
+          </a:xfrm>
+          <a:prstGeom prst="rect">
+            <a:avLst/>
+          </a:prstGeom>
+          <a:noFill/>
+        </p:spPr>
+        <p:txBody>
+          <a:bodyPr wrap="square" rtlCol="0">
+            <a:normAutofit/>
+          </a:bodyPr>
+          <a:lstStyle/>
+          <a:p>
+            <a:pPr marL="285750" marR="0" lvl="0" indent="-285750" defTabSz="914400" eaLnBrk="1" fontAlgn="auto" latinLnBrk="0" hangingPunct="1">
+              <a:lnSpc>
+                <a:spcPct val="100000"/>
+              </a:lnSpc>
+              <a:spcBef>
+                <a:spcPts val="0"/>
+              </a:spcBef>
+              <a:spcAft>
+                <a:spcPts val="0"/>
+              </a:spcAft>
+              <a:buClrTx/>
+              <a:buSzTx/>
+              <a:buFont typeface="Arial"/>
+              <a:buNone/>
+              <a:tabLst/>
+              <a:defRPr/>
+            </a:pPr>
+            <a:endParaRPr lang="en-US" dirty="0" smtClean="0">
+              <a:solidFill>
+                <a:srgbClr val="1ACFFF"/>
+              </a:solidFill>
+            </a:endParaRPr>
+          </a:p>
+        </p:txBody>
+      </p:sp>
+      <p:pic>
+        <p:nvPicPr>
+          <p:cNvPr id="6" name="Picture 5"/>
+          <p:cNvPicPr>
+            <a:picLocks noChangeAspect="1"/>
+          </p:cNvPicPr>
+          <p:nvPr/>
+        </p:nvPicPr>
+        <p:blipFill>
+          <a:blip r:embed="rId3">
+            <a:extLst>
+              <a:ext uri="{28A0092B-C50C-407E-A947-70E740481C1C}">
+                <a14:useLocalDpi xmlns:a14="http://schemas.microsoft.com/office/drawing/2010/main" val="0"/>
+              </a:ext>
+            </a:extLst>
+          </a:blip>
+          <a:stretch>
+            <a:fillRect/>
+          </a:stretch>
+        </p:blipFill>
+        <p:spPr>
+          <a:xfrm>
+            <a:off x="0" y="1195200"/>
+            <a:ext cx="9144000" cy="5184363"/>
+          </a:xfrm>
+          <a:prstGeom prst="rect">
+            <a:avLst/>
+          </a:prstGeom>
+        </p:spPr>
+      </p:pic>
+    </p:spTree>
+    <p:extLst>
+      <p:ext uri="{BB962C8B-B14F-4D97-AF65-F5344CB8AC3E}">
+        <p14:creationId xmlns:p14="http://schemas.microsoft.com/office/powerpoint/2010/main" val="250231392"/>
+      </p:ext>
+    </p:extLst>
+  </p:cSld>
+  <p:clrMapOvr>
+    <a:masterClrMapping/>
+  </p:clrMapOvr>
+  <p:timing>
+    <p:tnLst>
+      <p:par>
+        <p:cTn id="1" dur="indefinite" restart="never" nodeType="tmRoot"/>
       </p:par>
     </p:tnLst>
   </p:timing>
